--- a/docs/preso.pptx
+++ b/docs/preso.pptx
@@ -362,7 +362,7 @@
           <a:p>
             <a:fld id="{D2887149-AF03-6142-908A-3DD284EAF54B}" type="datetimeFigureOut">
               <a:rPr lang="en-US" smtClean="0"/>
-              <a:t>4/28/21</a:t>
+              <a:t>6/17/21</a:t>
             </a:fld>
             <a:endParaRPr lang="en-US"/>
           </a:p>
@@ -544,7 +544,7 @@
             <a:fld id="{0B25AC41-3BEC-9247-8322-91B80C013F2D}" type="datetimeFigureOut">
               <a:rPr lang="en-US" smtClean="0"/>
               <a:pPr/>
-              <a:t>4/28/21</a:t>
+              <a:t>6/17/21</a:t>
             </a:fld>
             <a:endParaRPr lang="en-US" dirty="0"/>
           </a:p>
@@ -860,7 +860,326 @@
           <a:bodyPr/>
           <a:lstStyle/>
           <a:p>
+            <a:r>
+              <a:rPr lang="en-US" dirty="0"/>
+              <a:t>I’m going to demonstrate CI/CD pipeline that deploys builds a simple application and deploys it into different accounts. It also updates itself. </a:t>
+            </a:r>
+          </a:p>
+        </p:txBody>
+      </p:sp>
+      <p:sp>
+        <p:nvSpPr>
+          <p:cNvPr id="4" name="Slide Number Placeholder 3"/>
+          <p:cNvSpPr>
+            <a:spLocks noGrp="1"/>
+          </p:cNvSpPr>
+          <p:nvPr>
+            <p:ph type="sldNum" sz="quarter" idx="5"/>
+          </p:nvPr>
+        </p:nvSpPr>
+        <p:spPr/>
+        <p:txBody>
+          <a:bodyPr/>
+          <a:lstStyle/>
+          <a:p>
+            <a:fld id="{69C3F2ED-74C5-7D4F-8560-0CC253E9A436}" type="slidenum">
+              <a:rPr lang="en-US" smtClean="0"/>
+              <a:pPr/>
+              <a:t>1</a:t>
+            </a:fld>
             <a:endParaRPr lang="en-US" dirty="0"/>
+          </a:p>
+        </p:txBody>
+      </p:sp>
+    </p:spTree>
+    <p:extLst>
+      <p:ext uri="{BB962C8B-B14F-4D97-AF65-F5344CB8AC3E}">
+        <p14:creationId xmlns:p14="http://schemas.microsoft.com/office/powerpoint/2010/main" val="436663281"/>
+      </p:ext>
+    </p:extLst>
+  </p:cSld>
+  <p:clrMapOvr>
+    <a:masterClrMapping/>
+  </p:clrMapOvr>
+</p:notes>
+</file>
+
+<file path=ppt/notesSlides/notesSlide2.xml><?xml version="1.0" encoding="utf-8"?>
+<p:notes xmlns:a="http://schemas.openxmlformats.org/drawingml/2006/main" xmlns:r="http://schemas.openxmlformats.org/officeDocument/2006/relationships" xmlns:p="http://schemas.openxmlformats.org/presentationml/2006/main">
+  <p:cSld>
+    <p:spTree>
+      <p:nvGrpSpPr>
+        <p:cNvPr id="1" name=""/>
+        <p:cNvGrpSpPr/>
+        <p:nvPr/>
+      </p:nvGrpSpPr>
+      <p:grpSpPr>
+        <a:xfrm>
+          <a:off x="0" y="0"/>
+          <a:ext cx="0" cy="0"/>
+          <a:chOff x="0" y="0"/>
+          <a:chExt cx="0" cy="0"/>
+        </a:xfrm>
+      </p:grpSpPr>
+      <p:sp>
+        <p:nvSpPr>
+          <p:cNvPr id="2" name="Slide Image Placeholder 1"/>
+          <p:cNvSpPr>
+            <a:spLocks noGrp="1" noRot="1" noChangeAspect="1"/>
+          </p:cNvSpPr>
+          <p:nvPr>
+            <p:ph type="sldImg"/>
+          </p:nvPr>
+        </p:nvSpPr>
+        <p:spPr/>
+      </p:sp>
+      <p:sp>
+        <p:nvSpPr>
+          <p:cNvPr id="3" name="Notes Placeholder 2"/>
+          <p:cNvSpPr>
+            <a:spLocks noGrp="1"/>
+          </p:cNvSpPr>
+          <p:nvPr>
+            <p:ph type="body" idx="1"/>
+          </p:nvPr>
+        </p:nvSpPr>
+        <p:spPr/>
+        <p:txBody>
+          <a:bodyPr/>
+          <a:lstStyle/>
+          <a:p>
+            <a:r>
+              <a:rPr lang="en-AU" sz="1920" b="0" i="0" u="none" strike="noStrike" kern="1200" dirty="0">
+                <a:solidFill>
+                  <a:schemeClr val="tx1"/>
+                </a:solidFill>
+                <a:effectLst/>
+                <a:latin typeface="Amazon Ember Regular" charset="0"/>
+                <a:ea typeface="+mn-ea"/>
+                <a:cs typeface="+mn-cs"/>
+              </a:rPr>
+              <a:t>Why do we have different accounts?</a:t>
+            </a:r>
+            <a:br>
+              <a:rPr lang="en-AU" dirty="0"/>
+            </a:br>
+            <a:r>
+              <a:rPr lang="en-AU" sz="1920" b="0" i="0" u="none" strike="noStrike" kern="1200" dirty="0">
+                <a:solidFill>
+                  <a:schemeClr val="tx1"/>
+                </a:solidFill>
+                <a:effectLst/>
+                <a:latin typeface="Amazon Ember Regular" charset="0"/>
+                <a:ea typeface="+mn-ea"/>
+                <a:cs typeface="+mn-cs"/>
+              </a:rPr>
+              <a:t>Accounts help to establish natural boundaries for security, access and billing. For example developers have full access to dev environment where they can experiment and innovate fast. However, for staging environment developers would have only </a:t>
+            </a:r>
+            <a:r>
+              <a:rPr lang="en-AU" sz="1920" b="0" i="0" u="none" strike="noStrike" kern="1200" dirty="0" err="1">
+                <a:solidFill>
+                  <a:schemeClr val="tx1"/>
+                </a:solidFill>
+                <a:effectLst/>
+                <a:latin typeface="Amazon Ember Regular" charset="0"/>
+                <a:ea typeface="+mn-ea"/>
+                <a:cs typeface="+mn-cs"/>
+              </a:rPr>
+              <a:t>readonly</a:t>
+            </a:r>
+            <a:r>
+              <a:rPr lang="en-AU" sz="1920" b="0" i="0" u="none" strike="noStrike" kern="1200" dirty="0">
+                <a:solidFill>
+                  <a:schemeClr val="tx1"/>
+                </a:solidFill>
+                <a:effectLst/>
+                <a:latin typeface="Amazon Ember Regular" charset="0"/>
+                <a:ea typeface="+mn-ea"/>
+                <a:cs typeface="+mn-cs"/>
+              </a:rPr>
+              <a:t> access so they cannot really temper with infrastructure and it remains prod like for better behavioural predictability. And nobody should have access to prod account, so developers not compromise living system and also do not have access to for example Personal Identifiable or Sensitive Information.</a:t>
+            </a:r>
+            <a:br>
+              <a:rPr lang="en-AU" dirty="0"/>
+            </a:br>
+            <a:endParaRPr lang="en-US" dirty="0"/>
+          </a:p>
+        </p:txBody>
+      </p:sp>
+      <p:sp>
+        <p:nvSpPr>
+          <p:cNvPr id="4" name="Slide Number Placeholder 3"/>
+          <p:cNvSpPr>
+            <a:spLocks noGrp="1"/>
+          </p:cNvSpPr>
+          <p:nvPr>
+            <p:ph type="sldNum" sz="quarter" idx="5"/>
+          </p:nvPr>
+        </p:nvSpPr>
+        <p:spPr/>
+        <p:txBody>
+          <a:bodyPr/>
+          <a:lstStyle/>
+          <a:p>
+            <a:fld id="{69C3F2ED-74C5-7D4F-8560-0CC253E9A436}" type="slidenum">
+              <a:rPr lang="en-US" smtClean="0"/>
+              <a:pPr/>
+              <a:t>2</a:t>
+            </a:fld>
+            <a:endParaRPr lang="en-US" dirty="0"/>
+          </a:p>
+        </p:txBody>
+      </p:sp>
+    </p:spTree>
+    <p:extLst>
+      <p:ext uri="{BB962C8B-B14F-4D97-AF65-F5344CB8AC3E}">
+        <p14:creationId xmlns:p14="http://schemas.microsoft.com/office/powerpoint/2010/main" val="610178740"/>
+      </p:ext>
+    </p:extLst>
+  </p:cSld>
+  <p:clrMapOvr>
+    <a:masterClrMapping/>
+  </p:clrMapOvr>
+</p:notes>
+</file>
+
+<file path=ppt/notesSlides/notesSlide3.xml><?xml version="1.0" encoding="utf-8"?>
+<p:notes xmlns:a="http://schemas.openxmlformats.org/drawingml/2006/main" xmlns:r="http://schemas.openxmlformats.org/officeDocument/2006/relationships" xmlns:p="http://schemas.openxmlformats.org/presentationml/2006/main">
+  <p:cSld>
+    <p:spTree>
+      <p:nvGrpSpPr>
+        <p:cNvPr id="1" name=""/>
+        <p:cNvGrpSpPr/>
+        <p:nvPr/>
+      </p:nvGrpSpPr>
+      <p:grpSpPr>
+        <a:xfrm>
+          <a:off x="0" y="0"/>
+          <a:ext cx="0" cy="0"/>
+          <a:chOff x="0" y="0"/>
+          <a:chExt cx="0" cy="0"/>
+        </a:xfrm>
+      </p:grpSpPr>
+      <p:sp>
+        <p:nvSpPr>
+          <p:cNvPr id="2" name="Slide Image Placeholder 1"/>
+          <p:cNvSpPr>
+            <a:spLocks noGrp="1" noRot="1" noChangeAspect="1"/>
+          </p:cNvSpPr>
+          <p:nvPr>
+            <p:ph type="sldImg"/>
+          </p:nvPr>
+        </p:nvSpPr>
+        <p:spPr/>
+      </p:sp>
+      <p:sp>
+        <p:nvSpPr>
+          <p:cNvPr id="3" name="Notes Placeholder 2"/>
+          <p:cNvSpPr>
+            <a:spLocks noGrp="1"/>
+          </p:cNvSpPr>
+          <p:nvPr>
+            <p:ph type="body" idx="1"/>
+          </p:nvPr>
+        </p:nvSpPr>
+        <p:spPr/>
+        <p:txBody>
+          <a:bodyPr/>
+          <a:lstStyle/>
+          <a:p>
+            <a:r>
+              <a:rPr lang="en-US" dirty="0"/>
+              <a:t>Here, hos it is going to work. Developers committing code, this action triggers </a:t>
+            </a:r>
+            <a:r>
+              <a:rPr lang="en-US" dirty="0" err="1"/>
+              <a:t>Orcestrration</a:t>
+            </a:r>
+            <a:r>
+              <a:rPr lang="en-US" dirty="0"/>
+              <a:t> service, </a:t>
+            </a:r>
+            <a:r>
+              <a:rPr lang="en-US" dirty="0" err="1"/>
+              <a:t>codePipeline</a:t>
+            </a:r>
+            <a:r>
+              <a:rPr lang="en-US" dirty="0"/>
+              <a:t>. That is going to grab a source from GitHub, then trigger </a:t>
+            </a:r>
+            <a:r>
+              <a:rPr lang="en-US" dirty="0" err="1"/>
+              <a:t>CodeBuild</a:t>
+            </a:r>
+            <a:r>
+              <a:rPr lang="en-US" dirty="0"/>
+              <a:t>. </a:t>
+            </a:r>
+            <a:r>
+              <a:rPr lang="en-US" dirty="0" err="1"/>
+              <a:t>Codebuild</a:t>
+            </a:r>
+            <a:r>
+              <a:rPr lang="en-US" dirty="0"/>
+              <a:t> is going to compile </a:t>
+            </a:r>
+            <a:r>
+              <a:rPr lang="en-US" dirty="0" err="1"/>
+              <a:t>atrtifacts</a:t>
+            </a:r>
+            <a:r>
+              <a:rPr lang="en-US" dirty="0"/>
+              <a:t>. In our case it is a </a:t>
+            </a:r>
+            <a:r>
+              <a:rPr lang="en-US" dirty="0" err="1"/>
+              <a:t>cloudFromation</a:t>
+            </a:r>
+            <a:r>
+              <a:rPr lang="en-US" dirty="0"/>
+              <a:t> templates, one for </a:t>
+            </a:r>
+            <a:r>
+              <a:rPr lang="en-US" dirty="0" err="1"/>
+              <a:t>pileine</a:t>
+            </a:r>
+            <a:r>
+              <a:rPr lang="en-US" dirty="0"/>
+              <a:t> itself and one for application a lambda code. The result of this operation is stored in S3 and linked to this </a:t>
+            </a:r>
+            <a:r>
+              <a:rPr lang="en-US" dirty="0" err="1"/>
+              <a:t>particaul</a:t>
+            </a:r>
+            <a:r>
+              <a:rPr lang="en-US" dirty="0"/>
+              <a:t> build. This is important part, because we are going to deploy the same build into different </a:t>
+            </a:r>
+            <a:r>
+              <a:rPr lang="en-US" dirty="0" err="1"/>
+              <a:t>enviromens</a:t>
+            </a:r>
+            <a:r>
+              <a:rPr lang="en-US" dirty="0"/>
+              <a:t> to achieve consistency. So after we have this build it is going to deploy itself and in case of changes the build process is going to restart, then we can start </a:t>
+            </a:r>
+            <a:r>
+              <a:rPr lang="en-US" dirty="0" err="1"/>
+              <a:t>deployeing</a:t>
+            </a:r>
+            <a:r>
+              <a:rPr lang="en-US" dirty="0"/>
+              <a:t> actual application, first it is going to be deployed in test account. Potentially we can add integration testing or manual approval. And the next it is going to deploy into prod account.</a:t>
+            </a:r>
+          </a:p>
+          <a:p>
+            <a:endParaRPr lang="en-US" dirty="0"/>
+          </a:p>
+          <a:p>
+            <a:r>
+              <a:rPr lang="en-US" dirty="0"/>
+              <a:t> Let me show you around.</a:t>
+            </a:r>
           </a:p>
         </p:txBody>
       </p:sp>
@@ -7179,9 +7498,10 @@
           </a:p>
           <a:p>
             <a:r>
-              <a:rPr lang="en-US" dirty="0"/>
-              <a:t>29/04/2021</a:t>
-            </a:r>
+              <a:rPr lang="en-US"/>
+              <a:t>17/06/2021</a:t>
+            </a:r>
+            <a:endParaRPr lang="en-US" dirty="0"/>
           </a:p>
         </p:txBody>
       </p:sp>

--- a/docs/preso.pptx
+++ b/docs/preso.pptx
@@ -862,7 +862,7 @@
           <a:p>
             <a:r>
               <a:rPr lang="en-US" dirty="0"/>
-              <a:t>I’m going to demonstrate CI/CD pipeline that deploys builds a simple application and deploys it into different accounts. It also updates itself. </a:t>
+              <a:t>I’m going to demonstrate CI/CD pipeline that builds a simple application and deploys it into different environment. It also updates self-mutating, meaning if I do a change it is going to update and restart itself. </a:t>
             </a:r>
           </a:p>
         </p:txBody>
@@ -958,7 +958,7 @@
                 <a:ea typeface="+mn-ea"/>
                 <a:cs typeface="+mn-cs"/>
               </a:rPr>
-              <a:t>Why do we have different accounts?</a:t>
+              <a:t>Why do we have different environments or accounts?</a:t>
             </a:r>
             <a:br>
               <a:rPr lang="en-AU" dirty="0"/>
@@ -1211,6 +1211,91 @@
     <p:extLst>
       <p:ext uri="{BB962C8B-B14F-4D97-AF65-F5344CB8AC3E}">
         <p14:creationId xmlns:p14="http://schemas.microsoft.com/office/powerpoint/2010/main" val="3776925557"/>
+      </p:ext>
+    </p:extLst>
+  </p:cSld>
+  <p:clrMapOvr>
+    <a:masterClrMapping/>
+  </p:clrMapOvr>
+</p:notes>
+</file>
+
+<file path=ppt/notesSlides/notesSlide4.xml><?xml version="1.0" encoding="utf-8"?>
+<p:notes xmlns:a="http://schemas.openxmlformats.org/drawingml/2006/main" xmlns:r="http://schemas.openxmlformats.org/officeDocument/2006/relationships" xmlns:p="http://schemas.openxmlformats.org/presentationml/2006/main">
+  <p:cSld>
+    <p:spTree>
+      <p:nvGrpSpPr>
+        <p:cNvPr id="1" name=""/>
+        <p:cNvGrpSpPr/>
+        <p:nvPr/>
+      </p:nvGrpSpPr>
+      <p:grpSpPr>
+        <a:xfrm>
+          <a:off x="0" y="0"/>
+          <a:ext cx="0" cy="0"/>
+          <a:chOff x="0" y="0"/>
+          <a:chExt cx="0" cy="0"/>
+        </a:xfrm>
+      </p:grpSpPr>
+      <p:sp>
+        <p:nvSpPr>
+          <p:cNvPr id="2" name="Slide Image Placeholder 1"/>
+          <p:cNvSpPr>
+            <a:spLocks noGrp="1" noRot="1" noChangeAspect="1"/>
+          </p:cNvSpPr>
+          <p:nvPr>
+            <p:ph type="sldImg"/>
+          </p:nvPr>
+        </p:nvSpPr>
+        <p:spPr/>
+      </p:sp>
+      <p:sp>
+        <p:nvSpPr>
+          <p:cNvPr id="3" name="Notes Placeholder 2"/>
+          <p:cNvSpPr>
+            <a:spLocks noGrp="1"/>
+          </p:cNvSpPr>
+          <p:nvPr>
+            <p:ph type="body" idx="1"/>
+          </p:nvPr>
+        </p:nvSpPr>
+        <p:spPr/>
+        <p:txBody>
+          <a:bodyPr/>
+          <a:lstStyle/>
+          <a:p>
+            <a:endParaRPr lang="en-US" dirty="0"/>
+          </a:p>
+        </p:txBody>
+      </p:sp>
+      <p:sp>
+        <p:nvSpPr>
+          <p:cNvPr id="4" name="Slide Number Placeholder 3"/>
+          <p:cNvSpPr>
+            <a:spLocks noGrp="1"/>
+          </p:cNvSpPr>
+          <p:nvPr>
+            <p:ph type="sldNum" sz="quarter" idx="5"/>
+          </p:nvPr>
+        </p:nvSpPr>
+        <p:spPr/>
+        <p:txBody>
+          <a:bodyPr/>
+          <a:lstStyle/>
+          <a:p>
+            <a:fld id="{69C3F2ED-74C5-7D4F-8560-0CC253E9A436}" type="slidenum">
+              <a:rPr lang="en-US" smtClean="0"/>
+              <a:pPr/>
+              <a:t>4</a:t>
+            </a:fld>
+            <a:endParaRPr lang="en-US" dirty="0"/>
+          </a:p>
+        </p:txBody>
+      </p:sp>
+    </p:spTree>
+    <p:extLst>
+      <p:ext uri="{BB962C8B-B14F-4D97-AF65-F5344CB8AC3E}">
+        <p14:creationId xmlns:p14="http://schemas.microsoft.com/office/powerpoint/2010/main" val="3563127405"/>
       </p:ext>
     </p:extLst>
   </p:cSld>
@@ -7498,10 +7583,9 @@
           </a:p>
           <a:p>
             <a:r>
-              <a:rPr lang="en-US"/>
+              <a:rPr lang="en-US" dirty="0"/>
               <a:t>17/06/2021</a:t>
             </a:r>
-            <a:endParaRPr lang="en-US" dirty="0"/>
           </a:p>
         </p:txBody>
       </p:sp>
@@ -7780,7 +7864,7 @@
 </file>
 
 <file path=ppt/slides/slide4.xml><?xml version="1.0" encoding="utf-8"?>
-<p:sld xmlns:a="http://schemas.openxmlformats.org/drawingml/2006/main" xmlns:r="http://schemas.openxmlformats.org/officeDocument/2006/relationships" xmlns:p="http://schemas.openxmlformats.org/presentationml/2006/main">
+<p:sld xmlns:a="http://schemas.openxmlformats.org/drawingml/2006/main" xmlns:r="http://schemas.openxmlformats.org/officeDocument/2006/relationships" xmlns:p="http://schemas.openxmlformats.org/presentationml/2006/main" show="0">
   <p:cSld>
     <p:spTree>
       <p:nvGrpSpPr>
@@ -7864,13 +7948,13 @@
           <a:p>
             <a:r>
               <a:rPr lang="en-US" dirty="0"/>
-              <a:t>Current approach is easy to build, however it is not very flexible. </a:t>
+              <a:t>Current approach is easy to use. </a:t>
             </a:r>
           </a:p>
           <a:p>
             <a:r>
               <a:rPr lang="en-US" dirty="0"/>
-              <a:t>It built by AWS team according with the best practices </a:t>
+              <a:t>It built by AWS team according with the best practices.</a:t>
             </a:r>
             <a:endParaRPr lang="en-AU" dirty="0"/>
           </a:p>
